--- a/27_SessionCookie.pptx
+++ b/27_SessionCookie.pptx
@@ -3895,15 +3895,15 @@
                   <a:schemeClr val="tx1"/>
                 </a:solidFill>
               </a:rPr>
-              <a:t>How to create a cookie? s</a:t>
-            </a:r>
-            <a:r>
-              <a:rPr lang="en-US" sz="1800">
+              <a:t>How to create a cookie? </a:t>
+            </a:r>
+            <a:r>
+              <a:rPr lang="en-US" sz="1800" dirty="0" err="1">
                 <a:solidFill>
                   <a:schemeClr val="tx1"/>
                 </a:solidFill>
               </a:rPr>
-              <a:t>etcookie</a:t>
+              <a:t>setcookie</a:t>
             </a:r>
             <a:r>
               <a:rPr lang="en-US" sz="1800" dirty="0">
